--- a/TypeScript Talk.pptx
+++ b/TypeScript Talk.pptx
@@ -39,7 +39,6 @@
     <p:sldId id="284" r:id="rId36"/>
     <p:sldId id="285" r:id="rId37"/>
     <p:sldId id="286" r:id="rId38"/>
-    <p:sldId id="287" r:id="rId39"/>
   </p:sldIdLst>
   <p:sldSz cx="24384000" cy="13716000"/>
   <p:notesSz cx="6858000" cy="9144000"/>
@@ -10175,27 +10174,27 @@
             </a:pPr>
             <a:r>
               <a:rPr sz="5200"/>
-              <a:t>Uses either require js or commonjs</a:t>
+              <a:t>Module can mean two different things</a:t>
             </a:r>
             <a:endParaRPr sz="5200"/>
           </a:p>
           <a:p>
-            <a:pPr lvl="0">
+            <a:pPr lvl="1">
               <a:defRPr sz="1800"/>
             </a:pPr>
             <a:r>
               <a:rPr sz="5200"/>
-              <a:t>Same syntax</a:t>
+              <a:t>The ‘module’ keyword</a:t>
             </a:r>
             <a:endParaRPr sz="5200"/>
           </a:p>
           <a:p>
-            <a:pPr lvl="0">
+            <a:pPr lvl="1">
               <a:defRPr sz="1800"/>
             </a:pPr>
             <a:r>
               <a:rPr sz="5200"/>
-              <a:t>Configured using a compile option</a:t>
+              <a:t>File modules included with ‘require’</a:t>
             </a:r>
           </a:p>
         </p:txBody>
@@ -10248,7 +10247,7 @@
             </a:pPr>
             <a:r>
               <a:rPr sz="11200"/>
-              <a:t>Modules</a:t>
+              <a:t>Module Keyword</a:t>
             </a:r>
           </a:p>
         </p:txBody>
@@ -10262,6 +10261,10 @@
           </p:nvPr>
         </p:nvSpPr>
         <p:spPr>
+          <a:xfrm>
+            <a:off x="1689100" y="3238500"/>
+            <a:ext cx="21005800" cy="4072341"/>
+          </a:xfrm>
           <a:prstGeom prst="rect">
             <a:avLst/>
           </a:prstGeom>
@@ -10275,27 +10278,162 @@
             </a:pPr>
             <a:r>
               <a:rPr sz="5200"/>
-              <a:t>Module can mean two different things</a:t>
+              <a:t>Creates it as ‘variable’</a:t>
             </a:r>
             <a:endParaRPr sz="5200"/>
           </a:p>
           <a:p>
-            <a:pPr lvl="1">
+            <a:pPr lvl="0">
               <a:defRPr sz="1800"/>
             </a:pPr>
             <a:r>
               <a:rPr sz="5200"/>
-              <a:t>The ‘module’ keyword</a:t>
-            </a:r>
-            <a:endParaRPr sz="5200"/>
+              <a:t>Export contents with export keyword (important!)</a:t>
+            </a:r>
           </a:p>
+        </p:txBody>
+      </p:sp>
+      <p:sp>
+        <p:nvSpPr>
+          <p:cNvPr id="117" name="Shape 117"/>
+          <p:cNvSpPr/>
+          <p:nvPr/>
+        </p:nvSpPr>
+        <p:spPr>
+          <a:xfrm>
+            <a:off x="6140350" y="8133181"/>
+            <a:ext cx="12103300" cy="4229101"/>
+          </a:xfrm>
+          <a:prstGeom prst="rect">
+            <a:avLst/>
+          </a:prstGeom>
+          <a:ln w="12700">
+            <a:miter lim="400000"/>
+          </a:ln>
+          <a:extLst>
+            <a:ext uri="{C572A759-6A51-4108-AA02-DFA0A04FC94B}">
+              <ma14:wrappingTextBoxFlag xmlns:ma14="http://schemas.microsoft.com/office/mac/drawingml/2011/main" val="1"/>
+            </a:ext>
+          </a:extLst>
+        </p:spPr>
+        <p:txBody>
+          <a:bodyPr wrap="none" lIns="50800" tIns="50800" rIns="50800" bIns="50800" anchor="ctr">
+            <a:spAutoFit/>
+          </a:bodyPr>
+          <a:lstStyle/>
           <a:p>
-            <a:pPr lvl="1">
+            <a:pPr lvl="0" algn="l" defTabSz="457200">
               <a:defRPr sz="1800"/>
             </a:pPr>
             <a:r>
-              <a:rPr sz="5200"/>
-              <a:t>File modules included with ‘require’</a:t>
+              <a:rPr b="1" sz="5600">
+                <a:solidFill>
+                  <a:srgbClr val="011993"/>
+                </a:solidFill>
+                <a:latin typeface="Menlo"/>
+                <a:ea typeface="Menlo"/>
+                <a:cs typeface="Menlo"/>
+                <a:sym typeface="Menlo"/>
+              </a:rPr>
+              <a:t>module </a:t>
+            </a:r>
+            <a:r>
+              <a:rPr sz="5600">
+                <a:latin typeface="Menlo"/>
+                <a:ea typeface="Menlo"/>
+                <a:cs typeface="Menlo"/>
+                <a:sym typeface="Menlo"/>
+              </a:rPr>
+              <a:t>SomeModule {</a:t>
+            </a:r>
+            <a:br>
+              <a:rPr sz="5600">
+                <a:latin typeface="Menlo"/>
+                <a:ea typeface="Menlo"/>
+                <a:cs typeface="Menlo"/>
+                <a:sym typeface="Menlo"/>
+              </a:rPr>
+            </a:br>
+            <a:r>
+              <a:rPr sz="5600">
+                <a:latin typeface="Menlo"/>
+                <a:ea typeface="Menlo"/>
+                <a:cs typeface="Menlo"/>
+                <a:sym typeface="Menlo"/>
+              </a:rPr>
+              <a:t>    </a:t>
+            </a:r>
+            <a:r>
+              <a:rPr b="1" sz="5600">
+                <a:solidFill>
+                  <a:srgbClr val="011993"/>
+                </a:solidFill>
+                <a:latin typeface="Menlo"/>
+                <a:ea typeface="Menlo"/>
+                <a:cs typeface="Menlo"/>
+                <a:sym typeface="Menlo"/>
+              </a:rPr>
+              <a:t>export class </a:t>
+            </a:r>
+            <a:r>
+              <a:rPr sz="5600">
+                <a:latin typeface="Menlo"/>
+                <a:ea typeface="Menlo"/>
+                <a:cs typeface="Menlo"/>
+                <a:sym typeface="Menlo"/>
+              </a:rPr>
+              <a:t>SomeClass {</a:t>
+            </a:r>
+            <a:br>
+              <a:rPr sz="5600">
+                <a:latin typeface="Menlo"/>
+                <a:ea typeface="Menlo"/>
+                <a:cs typeface="Menlo"/>
+                <a:sym typeface="Menlo"/>
+              </a:rPr>
+            </a:br>
+            <a:r>
+              <a:rPr sz="5600">
+                <a:latin typeface="Menlo"/>
+                <a:ea typeface="Menlo"/>
+                <a:cs typeface="Menlo"/>
+                <a:sym typeface="Menlo"/>
+              </a:rPr>
+              <a:t>        </a:t>
+            </a:r>
+            <a:br>
+              <a:rPr sz="5600">
+                <a:latin typeface="Menlo"/>
+                <a:ea typeface="Menlo"/>
+                <a:cs typeface="Menlo"/>
+                <a:sym typeface="Menlo"/>
+              </a:rPr>
+            </a:br>
+            <a:r>
+              <a:rPr sz="5600">
+                <a:latin typeface="Menlo"/>
+                <a:ea typeface="Menlo"/>
+                <a:cs typeface="Menlo"/>
+                <a:sym typeface="Menlo"/>
+              </a:rPr>
+              <a:t>    }</a:t>
+            </a:r>
+            <a:br>
+              <a:rPr sz="5600">
+                <a:latin typeface="Menlo"/>
+                <a:ea typeface="Menlo"/>
+                <a:cs typeface="Menlo"/>
+                <a:sym typeface="Menlo"/>
+              </a:rPr>
+            </a:br>
+            <a:r>
+              <a:rPr sz="5600">
+                <a:latin typeface="Menlo"/>
+                <a:ea typeface="Menlo"/>
+                <a:cs typeface="Menlo"/>
+                <a:sym typeface="Menlo"/>
+              </a:rPr>
+              <a:t>}</a:t>
             </a:r>
           </a:p>
         </p:txBody>
@@ -10328,7 +10466,7 @@
       </p:grpSpPr>
       <p:sp>
         <p:nvSpPr>
-          <p:cNvPr id="118" name="Shape 118"/>
+          <p:cNvPr id="119" name="Shape 119"/>
           <p:cNvSpPr/>
           <p:nvPr>
             <p:ph type="title"/>
@@ -10348,24 +10486,20 @@
             </a:pPr>
             <a:r>
               <a:rPr sz="11200"/>
-              <a:t>Module Keyword</a:t>
+              <a:t>File Modules</a:t>
             </a:r>
           </a:p>
         </p:txBody>
       </p:sp>
       <p:sp>
         <p:nvSpPr>
-          <p:cNvPr id="119" name="Shape 119"/>
+          <p:cNvPr id="120" name="Shape 120"/>
           <p:cNvSpPr/>
           <p:nvPr>
             <p:ph type="body" idx="1"/>
           </p:nvPr>
         </p:nvSpPr>
         <p:spPr>
-          <a:xfrm>
-            <a:off x="1689100" y="3238500"/>
-            <a:ext cx="21005800" cy="4072341"/>
-          </a:xfrm>
           <a:prstGeom prst="rect">
             <a:avLst/>
           </a:prstGeom>
@@ -10379,7 +10513,7 @@
             </a:pPr>
             <a:r>
               <a:rPr sz="5200"/>
-              <a:t>Creates it as ‘variable’</a:t>
+              <a:t>Use export and require</a:t>
             </a:r>
             <a:endParaRPr sz="5200"/>
           </a:p>
@@ -10389,152 +10523,47 @@
             </a:pPr>
             <a:r>
               <a:rPr sz="5200"/>
-              <a:t>Export contents with export keyword (important!)</a:t>
-            </a:r>
+              <a:t>Export individual things</a:t>
+            </a:r>
+            <a:endParaRPr sz="5200"/>
           </a:p>
-        </p:txBody>
-      </p:sp>
-      <p:sp>
-        <p:nvSpPr>
-          <p:cNvPr id="120" name="Shape 120"/>
-          <p:cNvSpPr/>
-          <p:nvPr/>
-        </p:nvSpPr>
-        <p:spPr>
-          <a:xfrm>
-            <a:off x="6140350" y="8133181"/>
-            <a:ext cx="12103300" cy="4229101"/>
-          </a:xfrm>
-          <a:prstGeom prst="rect">
-            <a:avLst/>
-          </a:prstGeom>
-          <a:ln w="12700">
-            <a:miter lim="400000"/>
-          </a:ln>
-          <a:extLst>
-            <a:ext uri="{C572A759-6A51-4108-AA02-DFA0A04FC94B}">
-              <ma14:wrappingTextBoxFlag xmlns:ma14="http://schemas.microsoft.com/office/mac/drawingml/2011/main" val="1"/>
-            </a:ext>
-          </a:extLst>
-        </p:spPr>
-        <p:txBody>
-          <a:bodyPr wrap="none" lIns="50800" tIns="50800" rIns="50800" bIns="50800" anchor="ctr">
-            <a:spAutoFit/>
-          </a:bodyPr>
-          <a:lstStyle/>
           <a:p>
-            <a:pPr lvl="0" algn="l" defTabSz="457200">
+            <a:pPr lvl="0">
               <a:defRPr sz="1800"/>
             </a:pPr>
             <a:r>
-              <a:rPr b="1" sz="5600">
-                <a:solidFill>
-                  <a:srgbClr val="011993"/>
-                </a:solidFill>
-                <a:latin typeface="Menlo"/>
-                <a:ea typeface="Menlo"/>
-                <a:cs typeface="Menlo"/>
-                <a:sym typeface="Menlo"/>
-              </a:rPr>
-              <a:t>module </a:t>
-            </a:r>
-            <a:r>
-              <a:rPr sz="5600">
-                <a:latin typeface="Menlo"/>
-                <a:ea typeface="Menlo"/>
-                <a:cs typeface="Menlo"/>
-                <a:sym typeface="Menlo"/>
-              </a:rPr>
-              <a:t>SomeModule {</a:t>
-            </a:r>
-            <a:br>
-              <a:rPr sz="5600">
-                <a:latin typeface="Menlo"/>
-                <a:ea typeface="Menlo"/>
-                <a:cs typeface="Menlo"/>
-                <a:sym typeface="Menlo"/>
-              </a:rPr>
-            </a:br>
-            <a:r>
-              <a:rPr sz="5600">
-                <a:latin typeface="Menlo"/>
-                <a:ea typeface="Menlo"/>
-                <a:cs typeface="Menlo"/>
-                <a:sym typeface="Menlo"/>
-              </a:rPr>
-              <a:t>    </a:t>
-            </a:r>
-            <a:r>
-              <a:rPr b="1" sz="5600">
-                <a:solidFill>
-                  <a:srgbClr val="011993"/>
-                </a:solidFill>
-                <a:latin typeface="Menlo"/>
-                <a:ea typeface="Menlo"/>
-                <a:cs typeface="Menlo"/>
-                <a:sym typeface="Menlo"/>
-              </a:rPr>
-              <a:t>export class </a:t>
-            </a:r>
-            <a:r>
-              <a:rPr sz="5600">
-                <a:latin typeface="Menlo"/>
-                <a:ea typeface="Menlo"/>
-                <a:cs typeface="Menlo"/>
-                <a:sym typeface="Menlo"/>
-              </a:rPr>
-              <a:t>SomeClass {</a:t>
-            </a:r>
-            <a:br>
-              <a:rPr sz="5600">
-                <a:latin typeface="Menlo"/>
-                <a:ea typeface="Menlo"/>
-                <a:cs typeface="Menlo"/>
-                <a:sym typeface="Menlo"/>
-              </a:rPr>
-            </a:br>
-            <a:r>
-              <a:rPr sz="5600">
-                <a:latin typeface="Menlo"/>
-                <a:ea typeface="Menlo"/>
-                <a:cs typeface="Menlo"/>
-                <a:sym typeface="Menlo"/>
-              </a:rPr>
-              <a:t>        </a:t>
-            </a:r>
-            <a:br>
-              <a:rPr sz="5600">
-                <a:latin typeface="Menlo"/>
-                <a:ea typeface="Menlo"/>
-                <a:cs typeface="Menlo"/>
-                <a:sym typeface="Menlo"/>
-              </a:rPr>
-            </a:br>
-            <a:r>
-              <a:rPr sz="5600">
-                <a:latin typeface="Menlo"/>
-                <a:ea typeface="Menlo"/>
-                <a:cs typeface="Menlo"/>
-                <a:sym typeface="Menlo"/>
-              </a:rPr>
-              <a:t>    }</a:t>
-            </a:r>
-            <a:br>
-              <a:rPr sz="5600">
-                <a:latin typeface="Menlo"/>
-                <a:ea typeface="Menlo"/>
-                <a:cs typeface="Menlo"/>
-                <a:sym typeface="Menlo"/>
-              </a:rPr>
-            </a:br>
-            <a:r>
-              <a:rPr sz="5600">
-                <a:latin typeface="Menlo"/>
-                <a:ea typeface="Menlo"/>
-                <a:cs typeface="Menlo"/>
-                <a:sym typeface="Menlo"/>
-              </a:rPr>
-              <a:t>}</a:t>
+              <a:rPr sz="5200"/>
+              <a:t>Import and require into a variable</a:t>
+            </a:r>
+            <a:endParaRPr sz="5200"/>
+          </a:p>
+          <a:p>
+            <a:pPr lvl="0">
+              <a:defRPr sz="1800"/>
+            </a:pPr>
+            <a:r>
+              <a:rPr sz="5200"/>
+              <a:t>All the exported things are properties of that variable</a:t>
+            </a:r>
+            <a:endParaRPr sz="5200"/>
+          </a:p>
+          <a:p>
+            <a:pPr lvl="0">
+              <a:defRPr sz="1800"/>
+            </a:pPr>
+            <a:r>
+              <a:rPr sz="5200"/>
+              <a:t>Uses either require js or commonjs</a:t>
+            </a:r>
+            <a:endParaRPr sz="5200"/>
+          </a:p>
+          <a:p>
+            <a:pPr lvl="0">
+              <a:defRPr sz="1800"/>
+            </a:pPr>
+            <a:r>
+              <a:rPr sz="5200"/>
+              <a:t>Configured using a compile option</a:t>
             </a:r>
           </a:p>
         </p:txBody>
@@ -10582,216 +10611,6 @@
           <a:bodyPr/>
           <a:lstStyle/>
           <a:p>
-            <a:pPr lvl="1">
-              <a:defRPr sz="1800"/>
-            </a:pPr>
-            <a:r>
-              <a:rPr sz="11200"/>
-              <a:t>File Modules</a:t>
-            </a:r>
-          </a:p>
-        </p:txBody>
-      </p:sp>
-      <p:sp>
-        <p:nvSpPr>
-          <p:cNvPr id="123" name="Shape 123"/>
-          <p:cNvSpPr/>
-          <p:nvPr>
-            <p:ph type="body" idx="1"/>
-          </p:nvPr>
-        </p:nvSpPr>
-        <p:spPr>
-          <a:prstGeom prst="rect">
-            <a:avLst/>
-          </a:prstGeom>
-        </p:spPr>
-        <p:txBody>
-          <a:bodyPr/>
-          <a:lstStyle/>
-          <a:p>
-            <a:pPr lvl="0">
-              <a:defRPr sz="1800"/>
-            </a:pPr>
-            <a:r>
-              <a:rPr sz="5200"/>
-              <a:t>Use export and require</a:t>
-            </a:r>
-            <a:endParaRPr sz="5200"/>
-          </a:p>
-          <a:p>
-            <a:pPr lvl="0">
-              <a:defRPr sz="1800"/>
-            </a:pPr>
-            <a:r>
-              <a:rPr sz="5200"/>
-              <a:t>Export individual things</a:t>
-            </a:r>
-            <a:endParaRPr sz="5200"/>
-          </a:p>
-          <a:p>
-            <a:pPr lvl="0">
-              <a:defRPr sz="1800"/>
-            </a:pPr>
-            <a:r>
-              <a:rPr sz="5200"/>
-              <a:t>Import and require into a variable</a:t>
-            </a:r>
-            <a:endParaRPr sz="5200"/>
-          </a:p>
-          <a:p>
-            <a:pPr lvl="0">
-              <a:defRPr sz="1800"/>
-            </a:pPr>
-            <a:r>
-              <a:rPr sz="5200"/>
-              <a:t>All the exported things are properties of that variable</a:t>
-            </a:r>
-          </a:p>
-        </p:txBody>
-      </p:sp>
-    </p:spTree>
-  </p:cSld>
-  <p:clrMapOvr>
-    <a:masterClrMapping/>
-  </p:clrMapOvr>
-  <p:transition spd="med" advClick="1"/>
-</p:sld>
-</file>
-
-<file path=ppt/slides/slide3.xml><?xml version="1.0" encoding="utf-8"?>
-<p:sld xmlns:a="http://schemas.openxmlformats.org/drawingml/2006/main" xmlns:r="http://schemas.openxmlformats.org/officeDocument/2006/relationships" xmlns:p="http://schemas.openxmlformats.org/presentationml/2006/main" showMasterSp="1" showMasterPhAnim="1">
-  <p:cSld>
-    <p:spTree>
-      <p:nvGrpSpPr>
-        <p:cNvPr id="1" name=""/>
-        <p:cNvGrpSpPr/>
-        <p:nvPr/>
-      </p:nvGrpSpPr>
-      <p:grpSpPr>
-        <a:xfrm>
-          <a:off x="0" y="0"/>
-          <a:ext cx="0" cy="0"/>
-          <a:chOff x="0" y="0"/>
-          <a:chExt cx="0" cy="0"/>
-        </a:xfrm>
-      </p:grpSpPr>
-      <p:sp>
-        <p:nvSpPr>
-          <p:cNvPr id="38" name="Shape 38"/>
-          <p:cNvSpPr/>
-          <p:nvPr>
-            <p:ph type="title"/>
-          </p:nvPr>
-        </p:nvSpPr>
-        <p:spPr>
-          <a:prstGeom prst="rect">
-            <a:avLst/>
-          </a:prstGeom>
-        </p:spPr>
-        <p:txBody>
-          <a:bodyPr/>
-          <a:lstStyle/>
-          <a:p>
-            <a:pPr lvl="0">
-              <a:defRPr sz="1800"/>
-            </a:pPr>
-            <a:r>
-              <a:rPr sz="11200"/>
-              <a:t>Transpiled to JavaScript</a:t>
-            </a:r>
-          </a:p>
-        </p:txBody>
-      </p:sp>
-      <p:sp>
-        <p:nvSpPr>
-          <p:cNvPr id="39" name="Shape 39"/>
-          <p:cNvSpPr/>
-          <p:nvPr>
-            <p:ph type="body" idx="1"/>
-          </p:nvPr>
-        </p:nvSpPr>
-        <p:spPr>
-          <a:prstGeom prst="rect">
-            <a:avLst/>
-          </a:prstGeom>
-        </p:spPr>
-        <p:txBody>
-          <a:bodyPr/>
-          <a:lstStyle/>
-          <a:p>
-            <a:pPr lvl="0">
-              <a:defRPr sz="1800"/>
-            </a:pPr>
-            <a:r>
-              <a:rPr sz="5200"/>
-              <a:t>Compiles to configurable ECMA Script version (default 5)</a:t>
-            </a:r>
-            <a:endParaRPr sz="5200"/>
-          </a:p>
-          <a:p>
-            <a:pPr lvl="0">
-              <a:defRPr sz="1800"/>
-            </a:pPr>
-            <a:r>
-              <a:rPr sz="5200"/>
-              <a:t>Allows use of JS libraries with help of .d.ts files</a:t>
-            </a:r>
-            <a:endParaRPr sz="5200"/>
-          </a:p>
-          <a:p>
-            <a:pPr lvl="0">
-              <a:defRPr sz="1800"/>
-            </a:pPr>
-            <a:r>
-              <a:rPr sz="5200"/>
-              <a:t>Run on both server and node</a:t>
-            </a:r>
-          </a:p>
-        </p:txBody>
-      </p:sp>
-    </p:spTree>
-  </p:cSld>
-  <p:clrMapOvr>
-    <a:masterClrMapping/>
-  </p:clrMapOvr>
-  <p:transition spd="med" advClick="1"/>
-</p:sld>
-</file>
-
-<file path=ppt/slides/slide30.xml><?xml version="1.0" encoding="utf-8"?>
-<p:sld xmlns:a="http://schemas.openxmlformats.org/drawingml/2006/main" xmlns:r="http://schemas.openxmlformats.org/officeDocument/2006/relationships" xmlns:p="http://schemas.openxmlformats.org/presentationml/2006/main" showMasterSp="1" showMasterPhAnim="1">
-  <p:cSld>
-    <p:spTree>
-      <p:nvGrpSpPr>
-        <p:cNvPr id="1" name=""/>
-        <p:cNvGrpSpPr/>
-        <p:nvPr/>
-      </p:nvGrpSpPr>
-      <p:grpSpPr>
-        <a:xfrm>
-          <a:off x="0" y="0"/>
-          <a:ext cx="0" cy="0"/>
-          <a:chOff x="0" y="0"/>
-          <a:chExt cx="0" cy="0"/>
-        </a:xfrm>
-      </p:grpSpPr>
-      <p:sp>
-        <p:nvSpPr>
-          <p:cNvPr id="125" name="Shape 125"/>
-          <p:cNvSpPr/>
-          <p:nvPr>
-            <p:ph type="title"/>
-          </p:nvPr>
-        </p:nvSpPr>
-        <p:spPr>
-          <a:prstGeom prst="rect">
-            <a:avLst/>
-          </a:prstGeom>
-        </p:spPr>
-        <p:txBody>
-          <a:bodyPr/>
-          <a:lstStyle/>
-          <a:p>
             <a:pPr lvl="0">
               <a:defRPr sz="1800"/>
             </a:pPr>
@@ -10804,7 +10623,7 @@
       </p:sp>
       <p:grpSp>
         <p:nvGrpSpPr>
-          <p:cNvPr id="128" name="Group 128"/>
+          <p:cNvPr id="125" name="Group 125"/>
           <p:cNvGrpSpPr/>
           <p:nvPr/>
         </p:nvGrpSpPr>
@@ -10818,7 +10637,7 @@
         </p:grpSpPr>
         <p:sp>
           <p:nvSpPr>
-            <p:cNvPr id="127" name="Shape 127"/>
+            <p:cNvPr id="124" name="Shape 124"/>
             <p:cNvSpPr/>
             <p:nvPr/>
           </p:nvSpPr>
@@ -10972,7 +10791,7 @@
         </p:sp>
         <p:pic>
           <p:nvPicPr>
-            <p:cNvPr id="126" name=""/>
+            <p:cNvPr id="123" name=""/>
             <p:cNvPicPr/>
             <p:nvPr/>
           </p:nvPicPr>
@@ -10998,7 +10817,7 @@
       </p:grpSp>
       <p:grpSp>
         <p:nvGrpSpPr>
-          <p:cNvPr id="131" name="Group 131"/>
+          <p:cNvPr id="128" name="Group 128"/>
           <p:cNvGrpSpPr/>
           <p:nvPr/>
         </p:nvGrpSpPr>
@@ -11012,7 +10831,7 @@
         </p:grpSpPr>
         <p:sp>
           <p:nvSpPr>
-            <p:cNvPr id="130" name="Shape 130"/>
+            <p:cNvPr id="127" name="Shape 127"/>
             <p:cNvSpPr/>
             <p:nvPr/>
           </p:nvSpPr>
@@ -11124,7 +10943,7 @@
         </p:sp>
         <p:pic>
           <p:nvPicPr>
-            <p:cNvPr id="129" name=""/>
+            <p:cNvPr id="126" name=""/>
             <p:cNvPicPr/>
             <p:nvPr/>
           </p:nvPicPr>
@@ -11148,6 +10967,196 @@
           </p:spPr>
         </p:pic>
       </p:grpSp>
+    </p:spTree>
+  </p:cSld>
+  <p:clrMapOvr>
+    <a:masterClrMapping/>
+  </p:clrMapOvr>
+  <p:transition spd="med" advClick="1"/>
+</p:sld>
+</file>
+
+<file path=ppt/slides/slide3.xml><?xml version="1.0" encoding="utf-8"?>
+<p:sld xmlns:a="http://schemas.openxmlformats.org/drawingml/2006/main" xmlns:r="http://schemas.openxmlformats.org/officeDocument/2006/relationships" xmlns:p="http://schemas.openxmlformats.org/presentationml/2006/main" showMasterSp="1" showMasterPhAnim="1">
+  <p:cSld>
+    <p:spTree>
+      <p:nvGrpSpPr>
+        <p:cNvPr id="1" name=""/>
+        <p:cNvGrpSpPr/>
+        <p:nvPr/>
+      </p:nvGrpSpPr>
+      <p:grpSpPr>
+        <a:xfrm>
+          <a:off x="0" y="0"/>
+          <a:ext cx="0" cy="0"/>
+          <a:chOff x="0" y="0"/>
+          <a:chExt cx="0" cy="0"/>
+        </a:xfrm>
+      </p:grpSpPr>
+      <p:sp>
+        <p:nvSpPr>
+          <p:cNvPr id="38" name="Shape 38"/>
+          <p:cNvSpPr/>
+          <p:nvPr>
+            <p:ph type="title"/>
+          </p:nvPr>
+        </p:nvSpPr>
+        <p:spPr>
+          <a:prstGeom prst="rect">
+            <a:avLst/>
+          </a:prstGeom>
+        </p:spPr>
+        <p:txBody>
+          <a:bodyPr/>
+          <a:lstStyle/>
+          <a:p>
+            <a:pPr lvl="0">
+              <a:defRPr sz="1800"/>
+            </a:pPr>
+            <a:r>
+              <a:rPr sz="11200"/>
+              <a:t>Transpiled to JavaScript</a:t>
+            </a:r>
+          </a:p>
+        </p:txBody>
+      </p:sp>
+      <p:sp>
+        <p:nvSpPr>
+          <p:cNvPr id="39" name="Shape 39"/>
+          <p:cNvSpPr/>
+          <p:nvPr>
+            <p:ph type="body" idx="1"/>
+          </p:nvPr>
+        </p:nvSpPr>
+        <p:spPr>
+          <a:prstGeom prst="rect">
+            <a:avLst/>
+          </a:prstGeom>
+        </p:spPr>
+        <p:txBody>
+          <a:bodyPr/>
+          <a:lstStyle/>
+          <a:p>
+            <a:pPr lvl="0">
+              <a:defRPr sz="1800"/>
+            </a:pPr>
+            <a:r>
+              <a:rPr sz="5200"/>
+              <a:t>Compiles to configurable ECMA Script version (default 5)</a:t>
+            </a:r>
+            <a:endParaRPr sz="5200"/>
+          </a:p>
+          <a:p>
+            <a:pPr lvl="0">
+              <a:defRPr sz="1800"/>
+            </a:pPr>
+            <a:r>
+              <a:rPr sz="5200"/>
+              <a:t>Allows use of JS libraries with help of .d.ts files</a:t>
+            </a:r>
+            <a:endParaRPr sz="5200"/>
+          </a:p>
+          <a:p>
+            <a:pPr lvl="0">
+              <a:defRPr sz="1800"/>
+            </a:pPr>
+            <a:r>
+              <a:rPr sz="5200"/>
+              <a:t>Run on both server and node</a:t>
+            </a:r>
+          </a:p>
+        </p:txBody>
+      </p:sp>
+    </p:spTree>
+  </p:cSld>
+  <p:clrMapOvr>
+    <a:masterClrMapping/>
+  </p:clrMapOvr>
+  <p:transition spd="med" advClick="1"/>
+</p:sld>
+</file>
+
+<file path=ppt/slides/slide30.xml><?xml version="1.0" encoding="utf-8"?>
+<p:sld xmlns:a="http://schemas.openxmlformats.org/drawingml/2006/main" xmlns:r="http://schemas.openxmlformats.org/officeDocument/2006/relationships" xmlns:p="http://schemas.openxmlformats.org/presentationml/2006/main" showMasterSp="1" showMasterPhAnim="1">
+  <p:cSld>
+    <p:spTree>
+      <p:nvGrpSpPr>
+        <p:cNvPr id="1" name=""/>
+        <p:cNvGrpSpPr/>
+        <p:nvPr/>
+      </p:nvGrpSpPr>
+      <p:grpSpPr>
+        <a:xfrm>
+          <a:off x="0" y="0"/>
+          <a:ext cx="0" cy="0"/>
+          <a:chOff x="0" y="0"/>
+          <a:chExt cx="0" cy="0"/>
+        </a:xfrm>
+      </p:grpSpPr>
+      <p:sp>
+        <p:nvSpPr>
+          <p:cNvPr id="130" name="Shape 130"/>
+          <p:cNvSpPr/>
+          <p:nvPr>
+            <p:ph type="title"/>
+          </p:nvPr>
+        </p:nvSpPr>
+        <p:spPr>
+          <a:prstGeom prst="rect">
+            <a:avLst/>
+          </a:prstGeom>
+        </p:spPr>
+        <p:txBody>
+          <a:bodyPr/>
+          <a:lstStyle/>
+          <a:p>
+            <a:pPr lvl="0">
+              <a:defRPr sz="1800"/>
+            </a:pPr>
+            <a:r>
+              <a:rPr sz="11200"/>
+              <a:t>Common Pitfalls</a:t>
+            </a:r>
+          </a:p>
+        </p:txBody>
+      </p:sp>
+      <p:sp>
+        <p:nvSpPr>
+          <p:cNvPr id="131" name="Shape 131"/>
+          <p:cNvSpPr/>
+          <p:nvPr>
+            <p:ph type="body" idx="1"/>
+          </p:nvPr>
+        </p:nvSpPr>
+        <p:spPr>
+          <a:prstGeom prst="rect">
+            <a:avLst/>
+          </a:prstGeom>
+        </p:spPr>
+        <p:txBody>
+          <a:bodyPr/>
+          <a:lstStyle/>
+          <a:p>
+            <a:pPr lvl="0">
+              <a:defRPr sz="1800"/>
+            </a:pPr>
+            <a:r>
+              <a:rPr sz="5200"/>
+              <a:t>make sure you export a class</a:t>
+            </a:r>
+            <a:endParaRPr sz="5200"/>
+          </a:p>
+          <a:p>
+            <a:pPr lvl="0">
+              <a:defRPr sz="1800"/>
+            </a:pPr>
+            <a:r>
+              <a:rPr sz="5200"/>
+              <a:t>you can only have one implementation of an override</a:t>
+            </a:r>
+          </a:p>
+        </p:txBody>
+      </p:sp>
     </p:spTree>
   </p:cSld>
   <p:clrMapOvr>
@@ -11196,7 +11205,7 @@
             </a:pPr>
             <a:r>
               <a:rPr sz="11200"/>
-              <a:t>Common Pitfalls</a:t>
+              <a:t>Upcoming featurs</a:t>
             </a:r>
           </a:p>
         </p:txBody>
@@ -11204,96 +11213,6 @@
       <p:sp>
         <p:nvSpPr>
           <p:cNvPr id="134" name="Shape 134"/>
-          <p:cNvSpPr/>
-          <p:nvPr>
-            <p:ph type="body" idx="1"/>
-          </p:nvPr>
-        </p:nvSpPr>
-        <p:spPr>
-          <a:prstGeom prst="rect">
-            <a:avLst/>
-          </a:prstGeom>
-        </p:spPr>
-        <p:txBody>
-          <a:bodyPr/>
-          <a:lstStyle/>
-          <a:p>
-            <a:pPr lvl="0">
-              <a:defRPr sz="1800"/>
-            </a:pPr>
-            <a:r>
-              <a:rPr sz="5200"/>
-              <a:t>make sure you export a class</a:t>
-            </a:r>
-            <a:endParaRPr sz="5200"/>
-          </a:p>
-          <a:p>
-            <a:pPr lvl="0">
-              <a:defRPr sz="1800"/>
-            </a:pPr>
-            <a:r>
-              <a:rPr sz="5200"/>
-              <a:t>you can only have one implementation of an override</a:t>
-            </a:r>
-          </a:p>
-        </p:txBody>
-      </p:sp>
-    </p:spTree>
-  </p:cSld>
-  <p:clrMapOvr>
-    <a:masterClrMapping/>
-  </p:clrMapOvr>
-  <p:transition spd="med" advClick="1"/>
-</p:sld>
-</file>
-
-<file path=ppt/slides/slide32.xml><?xml version="1.0" encoding="utf-8"?>
-<p:sld xmlns:a="http://schemas.openxmlformats.org/drawingml/2006/main" xmlns:r="http://schemas.openxmlformats.org/officeDocument/2006/relationships" xmlns:p="http://schemas.openxmlformats.org/presentationml/2006/main" showMasterSp="1" showMasterPhAnim="1">
-  <p:cSld>
-    <p:spTree>
-      <p:nvGrpSpPr>
-        <p:cNvPr id="1" name=""/>
-        <p:cNvGrpSpPr/>
-        <p:nvPr/>
-      </p:nvGrpSpPr>
-      <p:grpSpPr>
-        <a:xfrm>
-          <a:off x="0" y="0"/>
-          <a:ext cx="0" cy="0"/>
-          <a:chOff x="0" y="0"/>
-          <a:chExt cx="0" cy="0"/>
-        </a:xfrm>
-      </p:grpSpPr>
-      <p:sp>
-        <p:nvSpPr>
-          <p:cNvPr id="136" name="Shape 136"/>
-          <p:cNvSpPr/>
-          <p:nvPr>
-            <p:ph type="title"/>
-          </p:nvPr>
-        </p:nvSpPr>
-        <p:spPr>
-          <a:prstGeom prst="rect">
-            <a:avLst/>
-          </a:prstGeom>
-        </p:spPr>
-        <p:txBody>
-          <a:bodyPr/>
-          <a:lstStyle/>
-          <a:p>
-            <a:pPr lvl="0">
-              <a:defRPr sz="1800"/>
-            </a:pPr>
-            <a:r>
-              <a:rPr sz="11200"/>
-              <a:t>Upcoming featurs</a:t>
-            </a:r>
-          </a:p>
-        </p:txBody>
-      </p:sp>
-      <p:sp>
-        <p:nvSpPr>
-          <p:cNvPr id="137" name="Shape 137"/>
           <p:cNvSpPr/>
           <p:nvPr>
             <p:ph type="body" idx="1"/>

--- a/TypeScript Talk.pptx
+++ b/TypeScript Talk.pptx
@@ -7455,7 +7455,7 @@
             </a:pPr>
             <a:r>
               <a:rPr sz="7168"/>
-              <a:t>Not the hero we want, but the one we need right now, but still pretty cool</a:t>
+              <a:t>Not quite the hero we deserve, but the one we need right now, but still pretty cool</a:t>
             </a:r>
           </a:p>
         </p:txBody>
